--- a/Docs/Princípios SOLID - 2017.pptx
+++ b/Docs/Princípios SOLID - 2017.pptx
@@ -4851,23 +4851,7 @@
                   <a:srgbClr val="FF0000"/>
                 </a:solidFill>
               </a:rPr>
-              <a:t>: se parâmetro pode ser nulo no tipo base, o </a:t>
-            </a:r>
-            <a:r>
-              <a:rPr lang="pt-BR" b="0" dirty="0" smtClean="0">
-                <a:solidFill>
-                  <a:srgbClr val="FF0000"/>
-                </a:solidFill>
-              </a:rPr>
-              <a:t>subtipo não </a:t>
-            </a:r>
-            <a:r>
-              <a:rPr lang="pt-BR" b="0" dirty="0" smtClean="0">
-                <a:solidFill>
-                  <a:srgbClr val="FF0000"/>
-                </a:solidFill>
-              </a:rPr>
-              <a:t>pode recusar um parâmetro nulo</a:t>
+              <a:t>: se parâmetro pode ser nulo no tipo base, o subtipo não pode recusar um parâmetro nulo</a:t>
             </a:r>
             <a:endParaRPr lang="pt-BR" b="0" dirty="0">
               <a:solidFill>
@@ -21029,13 +21013,7 @@
               <a:rPr lang="en-US" sz="4000" dirty="0" smtClean="0">
                 <a:hlinkClick r:id="rId4"/>
               </a:rPr>
-              <a:t>http</a:t>
-            </a:r>
-            <a:r>
-              <a:rPr lang="en-US" sz="4000" dirty="0" smtClean="0">
-                <a:hlinkClick r:id="rId4"/>
-              </a:rPr>
-              <a:t>://www.infoq.com/presentations/design-principles-code-structures</a:t>
+              <a:t>http://www.infoq.com/presentations/design-principles-code-structures</a:t>
             </a:r>
             <a:endParaRPr lang="en-US" sz="4000" dirty="0" smtClean="0"/>
           </a:p>
@@ -21065,7 +21043,19 @@
               <a:rPr lang="pt-BR" sz="4000" dirty="0" smtClean="0">
                 <a:hlinkClick r:id="rId6"/>
               </a:rPr>
-              <a:t>www.craigberntson.com/docs/SOLID.pptx</a:t>
+              <a:t>http</a:t>
+            </a:r>
+            <a:r>
+              <a:rPr lang="pt-BR" sz="4000" dirty="0">
+                <a:hlinkClick r:id="rId6"/>
+              </a:rPr>
+              <a:t>://</a:t>
+            </a:r>
+            <a:r>
+              <a:rPr lang="pt-BR" sz="4000" dirty="0" smtClean="0">
+                <a:hlinkClick r:id="rId6"/>
+              </a:rPr>
+              <a:t>channel9.msdn.com/Events/TechEd/NorthAmerica/2014/DEV-B315</a:t>
             </a:r>
             <a:endParaRPr lang="pt-BR" sz="4000" dirty="0" smtClean="0"/>
           </a:p>
@@ -21080,7 +21070,7 @@
               <a:rPr lang="pt-BR" sz="4000" dirty="0" smtClean="0">
                 <a:hlinkClick r:id="rId7"/>
               </a:rPr>
-              <a:t>channel9.msdn.com/Events/TechEd/NorthAmerica/2014/DEV-B315</a:t>
+              <a:t>www.cuttingedge.it/blogs/steven/pivot/entry.php?id=92</a:t>
             </a:r>
             <a:endParaRPr lang="pt-BR" sz="4000" dirty="0" smtClean="0"/>
           </a:p>
@@ -21089,43 +21079,28 @@
               <a:rPr lang="pt-BR" sz="4000" dirty="0">
                 <a:hlinkClick r:id="rId8"/>
               </a:rPr>
-              <a:t>http://</a:t>
+              <a:t>https://</a:t>
             </a:r>
             <a:r>
               <a:rPr lang="pt-BR" sz="4000" dirty="0" smtClean="0">
                 <a:hlinkClick r:id="rId8"/>
               </a:rPr>
-              <a:t>www.cuttingedge.it/blogs/steven/pivot/entry.php?id=92</a:t>
+              <a:t>docs.microsoft.com/en-us/dotnet/framework/debug-trace-profile/code-contracts</a:t>
             </a:r>
             <a:endParaRPr lang="pt-BR" sz="4000" dirty="0" smtClean="0"/>
           </a:p>
           <a:p>
             <a:r>
-              <a:rPr lang="pt-BR" sz="4000" dirty="0">
+              <a:rPr lang="en-US" sz="4000" dirty="0">
                 <a:hlinkClick r:id="rId9"/>
               </a:rPr>
-              <a:t>http://research.microsoft.com/en-us/projects/contracts</a:t>
-            </a:r>
-            <a:r>
-              <a:rPr lang="pt-BR" sz="4000" dirty="0" smtClean="0">
+              <a:t>http://</a:t>
+            </a:r>
+            <a:r>
+              <a:rPr lang="en-US" sz="4000" dirty="0" smtClean="0">
                 <a:hlinkClick r:id="rId9"/>
               </a:rPr>
-              <a:t>/</a:t>
-            </a:r>
-            <a:endParaRPr lang="pt-BR" sz="4000" dirty="0" smtClean="0"/>
-          </a:p>
-          <a:p>
-            <a:r>
-              <a:rPr lang="en-US" sz="4000" dirty="0">
-                <a:hlinkClick r:id="rId10"/>
-              </a:rPr>
-              <a:t>https://</a:t>
-            </a:r>
-            <a:r>
-              <a:rPr lang="en-US" sz="4000" dirty="0" smtClean="0">
-                <a:hlinkClick r:id="rId10"/>
-              </a:rPr>
-              <a:t>simpleinjector.codeplex.com/wikipage?title=Advanced-scenarios#Interception</a:t>
+              <a:t>simpleinjector.readthedocs.io/en/latest/InterceptionExtensions.html</a:t>
             </a:r>
             <a:endParaRPr lang="en-US" sz="4000" dirty="0" smtClean="0"/>
           </a:p>
